--- a/Tutorial_1/Tutorial_1.pptx
+++ b/Tutorial_1/Tutorial_1.pptx
@@ -3109,15 +3109,34 @@
         </p:nvSpPr>
         <p:spPr/>
         <p:txBody>
-          <a:bodyPr/>
+          <a:bodyPr>
+            <a:normAutofit/>
+          </a:bodyPr>
           <a:lstStyle/>
           <a:p>
             <a:pPr marL="0" lvl="0" indent="0">
               <a:buNone/>
             </a:pPr>
             <a:r>
+              <a:rPr dirty="0"/>
               <a:t>Tutorial 1</a:t>
             </a:r>
+            <a:br>
+              <a:rPr lang="en-US" dirty="0"/>
+            </a:br>
+            <a:r>
+              <a:rPr lang="en-US" sz="1400" dirty="0">
+                <a:solidFill>
+                  <a:srgbClr val="FF0000"/>
+                </a:solidFill>
+              </a:rPr>
+              <a:t>link: https://github.com/kos00pas/ECE318_Documentations.git</a:t>
+            </a:r>
+            <a:endParaRPr dirty="0">
+              <a:solidFill>
+                <a:srgbClr val="FF0000"/>
+              </a:solidFill>
+            </a:endParaRPr>
           </a:p>
         </p:txBody>
       </p:sp>
@@ -3199,7 +3218,7 @@
               <a:t>ArrayList</a:t>
             </a:r>
             <a:r>
-              <a:rPr>
+              <a:rPr dirty="0">
                 <a:hlinkClick r:id="rId3" action="ppaction://hlinksldjump"/>
               </a:rPr>
               <a:t> and Looping</a:t>

--- a/Tutorial_1/Tutorial_1.pptx
+++ b/Tutorial_1/Tutorial_1.pptx
@@ -4,15 +4,19 @@
   <p:sldMasterIdLst>
     <p:sldMasterId id="2147483648" r:id="rId1"/>
   </p:sldMasterIdLst>
+  <p:notesMasterIdLst>
+    <p:notesMasterId r:id="rId11"/>
+  </p:notesMasterIdLst>
   <p:sldIdLst>
     <p:sldId id="256" r:id="rId2"/>
-    <p:sldId id="258" r:id="rId3"/>
-    <p:sldId id="261" r:id="rId4"/>
-    <p:sldId id="262" r:id="rId5"/>
-    <p:sldId id="264" r:id="rId6"/>
-    <p:sldId id="266" r:id="rId7"/>
-    <p:sldId id="269" r:id="rId8"/>
-    <p:sldId id="271" r:id="rId9"/>
+    <p:sldId id="261" r:id="rId3"/>
+    <p:sldId id="262" r:id="rId4"/>
+    <p:sldId id="264" r:id="rId5"/>
+    <p:sldId id="258" r:id="rId6"/>
+    <p:sldId id="273" r:id="rId7"/>
+    <p:sldId id="272" r:id="rId8"/>
+    <p:sldId id="266" r:id="rId9"/>
+    <p:sldId id="271" r:id="rId10"/>
   </p:sldIdLst>
   <p:sldSz cx="9144000" cy="5143500" type="screen16x9"/>
   <p:notesSz cx="6858000" cy="9144000"/>
@@ -128,6 +132,440 @@
     </p:ext>
   </p:extLst>
 </p:presentation>
+</file>
+
+<file path=ppt/notesMasters/notesMaster1.xml><?xml version="1.0" encoding="utf-8"?>
+<p:notesMaster xmlns:a="http://schemas.openxmlformats.org/drawingml/2006/main" xmlns:r="http://schemas.openxmlformats.org/officeDocument/2006/relationships" xmlns:p="http://schemas.openxmlformats.org/presentationml/2006/main">
+  <p:cSld>
+    <p:bg>
+      <p:bgRef idx="1001">
+        <a:schemeClr val="bg1"/>
+      </p:bgRef>
+    </p:bg>
+    <p:spTree>
+      <p:nvGrpSpPr>
+        <p:cNvPr id="1" name=""/>
+        <p:cNvGrpSpPr/>
+        <p:nvPr/>
+      </p:nvGrpSpPr>
+      <p:grpSpPr>
+        <a:xfrm>
+          <a:off x="0" y="0"/>
+          <a:ext cx="0" cy="0"/>
+          <a:chOff x="0" y="0"/>
+          <a:chExt cx="0" cy="0"/>
+        </a:xfrm>
+      </p:grpSpPr>
+      <p:sp>
+        <p:nvSpPr>
+          <p:cNvPr id="2" name="Header Placeholder 1"/>
+          <p:cNvSpPr>
+            <a:spLocks noGrp="1"/>
+          </p:cNvSpPr>
+          <p:nvPr>
+            <p:ph type="hdr" sz="quarter"/>
+          </p:nvPr>
+        </p:nvSpPr>
+        <p:spPr>
+          <a:xfrm>
+            <a:off x="0" y="0"/>
+            <a:ext cx="2971800" cy="458788"/>
+          </a:xfrm>
+          <a:prstGeom prst="rect">
+            <a:avLst/>
+          </a:prstGeom>
+        </p:spPr>
+        <p:txBody>
+          <a:bodyPr vert="horz" lIns="91440" tIns="45720" rIns="91440" bIns="45720" rtlCol="0"/>
+          <a:lstStyle>
+            <a:lvl1pPr algn="l">
+              <a:defRPr sz="1200"/>
+            </a:lvl1pPr>
+          </a:lstStyle>
+          <a:p>
+            <a:endParaRPr lang="en-CY"/>
+          </a:p>
+        </p:txBody>
+      </p:sp>
+      <p:sp>
+        <p:nvSpPr>
+          <p:cNvPr id="3" name="Date Placeholder 2"/>
+          <p:cNvSpPr>
+            <a:spLocks noGrp="1"/>
+          </p:cNvSpPr>
+          <p:nvPr>
+            <p:ph type="dt" idx="1"/>
+          </p:nvPr>
+        </p:nvSpPr>
+        <p:spPr>
+          <a:xfrm>
+            <a:off x="3884613" y="0"/>
+            <a:ext cx="2971800" cy="458788"/>
+          </a:xfrm>
+          <a:prstGeom prst="rect">
+            <a:avLst/>
+          </a:prstGeom>
+        </p:spPr>
+        <p:txBody>
+          <a:bodyPr vert="horz" lIns="91440" tIns="45720" rIns="91440" bIns="45720" rtlCol="0"/>
+          <a:lstStyle>
+            <a:lvl1pPr algn="r">
+              <a:defRPr sz="1200"/>
+            </a:lvl1pPr>
+          </a:lstStyle>
+          <a:p>
+            <a:fld id="{77977AB4-5CCF-4442-89D9-CE84B1E416D9}" type="datetimeFigureOut">
+              <a:rPr lang="en-CY" smtClean="0"/>
+              <a:t>24/09/2024</a:t>
+            </a:fld>
+            <a:endParaRPr lang="en-CY"/>
+          </a:p>
+        </p:txBody>
+      </p:sp>
+      <p:sp>
+        <p:nvSpPr>
+          <p:cNvPr id="4" name="Slide Image Placeholder 3"/>
+          <p:cNvSpPr>
+            <a:spLocks noGrp="1" noRot="1" noChangeAspect="1"/>
+          </p:cNvSpPr>
+          <p:nvPr>
+            <p:ph type="sldImg" idx="2"/>
+          </p:nvPr>
+        </p:nvSpPr>
+        <p:spPr>
+          <a:xfrm>
+            <a:off x="685800" y="1143000"/>
+            <a:ext cx="5486400" cy="3086100"/>
+          </a:xfrm>
+          <a:prstGeom prst="rect">
+            <a:avLst/>
+          </a:prstGeom>
+          <a:noFill/>
+          <a:ln w="12700">
+            <a:solidFill>
+              <a:prstClr val="black"/>
+            </a:solidFill>
+          </a:ln>
+        </p:spPr>
+        <p:txBody>
+          <a:bodyPr vert="horz" lIns="91440" tIns="45720" rIns="91440" bIns="45720" rtlCol="0" anchor="ctr"/>
+          <a:lstStyle/>
+          <a:p>
+            <a:endParaRPr lang="en-CY"/>
+          </a:p>
+        </p:txBody>
+      </p:sp>
+      <p:sp>
+        <p:nvSpPr>
+          <p:cNvPr id="5" name="Notes Placeholder 4"/>
+          <p:cNvSpPr>
+            <a:spLocks noGrp="1"/>
+          </p:cNvSpPr>
+          <p:nvPr>
+            <p:ph type="body" sz="quarter" idx="3"/>
+          </p:nvPr>
+        </p:nvSpPr>
+        <p:spPr>
+          <a:xfrm>
+            <a:off x="685800" y="4400550"/>
+            <a:ext cx="5486400" cy="3600450"/>
+          </a:xfrm>
+          <a:prstGeom prst="rect">
+            <a:avLst/>
+          </a:prstGeom>
+        </p:spPr>
+        <p:txBody>
+          <a:bodyPr vert="horz" lIns="91440" tIns="45720" rIns="91440" bIns="45720" rtlCol="0"/>
+          <a:lstStyle/>
+          <a:p>
+            <a:pPr lvl="0"/>
+            <a:r>
+              <a:rPr lang="en-US"/>
+              <a:t>Click to edit Master text styles</a:t>
+            </a:r>
+          </a:p>
+          <a:p>
+            <a:pPr lvl="1"/>
+            <a:r>
+              <a:rPr lang="en-US"/>
+              <a:t>Second level</a:t>
+            </a:r>
+          </a:p>
+          <a:p>
+            <a:pPr lvl="2"/>
+            <a:r>
+              <a:rPr lang="en-US"/>
+              <a:t>Third level</a:t>
+            </a:r>
+          </a:p>
+          <a:p>
+            <a:pPr lvl="3"/>
+            <a:r>
+              <a:rPr lang="en-US"/>
+              <a:t>Fourth level</a:t>
+            </a:r>
+          </a:p>
+          <a:p>
+            <a:pPr lvl="4"/>
+            <a:r>
+              <a:rPr lang="en-US"/>
+              <a:t>Fifth level</a:t>
+            </a:r>
+            <a:endParaRPr lang="en-CY"/>
+          </a:p>
+        </p:txBody>
+      </p:sp>
+      <p:sp>
+        <p:nvSpPr>
+          <p:cNvPr id="6" name="Footer Placeholder 5"/>
+          <p:cNvSpPr>
+            <a:spLocks noGrp="1"/>
+          </p:cNvSpPr>
+          <p:nvPr>
+            <p:ph type="ftr" sz="quarter" idx="4"/>
+          </p:nvPr>
+        </p:nvSpPr>
+        <p:spPr>
+          <a:xfrm>
+            <a:off x="0" y="8685213"/>
+            <a:ext cx="2971800" cy="458787"/>
+          </a:xfrm>
+          <a:prstGeom prst="rect">
+            <a:avLst/>
+          </a:prstGeom>
+        </p:spPr>
+        <p:txBody>
+          <a:bodyPr vert="horz" lIns="91440" tIns="45720" rIns="91440" bIns="45720" rtlCol="0" anchor="b"/>
+          <a:lstStyle>
+            <a:lvl1pPr algn="l">
+              <a:defRPr sz="1200"/>
+            </a:lvl1pPr>
+          </a:lstStyle>
+          <a:p>
+            <a:endParaRPr lang="en-CY"/>
+          </a:p>
+        </p:txBody>
+      </p:sp>
+      <p:sp>
+        <p:nvSpPr>
+          <p:cNvPr id="7" name="Slide Number Placeholder 6"/>
+          <p:cNvSpPr>
+            <a:spLocks noGrp="1"/>
+          </p:cNvSpPr>
+          <p:nvPr>
+            <p:ph type="sldNum" sz="quarter" idx="5"/>
+          </p:nvPr>
+        </p:nvSpPr>
+        <p:spPr>
+          <a:xfrm>
+            <a:off x="3884613" y="8685213"/>
+            <a:ext cx="2971800" cy="458787"/>
+          </a:xfrm>
+          <a:prstGeom prst="rect">
+            <a:avLst/>
+          </a:prstGeom>
+        </p:spPr>
+        <p:txBody>
+          <a:bodyPr vert="horz" lIns="91440" tIns="45720" rIns="91440" bIns="45720" rtlCol="0" anchor="b"/>
+          <a:lstStyle>
+            <a:lvl1pPr algn="r">
+              <a:defRPr sz="1200"/>
+            </a:lvl1pPr>
+          </a:lstStyle>
+          <a:p>
+            <a:fld id="{BD332D1E-E8DF-4589-B1FA-AB9D5B04A0AA}" type="slidenum">
+              <a:rPr lang="en-CY" smtClean="0"/>
+              <a:t>‹#›</a:t>
+            </a:fld>
+            <a:endParaRPr lang="en-CY"/>
+          </a:p>
+        </p:txBody>
+      </p:sp>
+    </p:spTree>
+    <p:extLst>
+      <p:ext uri="{BB962C8B-B14F-4D97-AF65-F5344CB8AC3E}">
+        <p14:creationId xmlns:p14="http://schemas.microsoft.com/office/powerpoint/2010/main" val="395934569"/>
+      </p:ext>
+    </p:extLst>
+  </p:cSld>
+  <p:clrMap bg1="lt1" tx1="dk1" bg2="lt2" tx2="dk2" accent1="accent1" accent2="accent2" accent3="accent3" accent4="accent4" accent5="accent5" accent6="accent6" hlink="hlink" folHlink="folHlink"/>
+  <p:notesStyle>
+    <a:lvl1pPr marL="0" algn="l" defTabSz="914400" rtl="0" eaLnBrk="1" latinLnBrk="0" hangingPunct="1">
+      <a:defRPr sz="1200" kern="1200">
+        <a:solidFill>
+          <a:schemeClr val="tx1"/>
+        </a:solidFill>
+        <a:latin typeface="+mn-lt"/>
+        <a:ea typeface="+mn-ea"/>
+        <a:cs typeface="+mn-cs"/>
+      </a:defRPr>
+    </a:lvl1pPr>
+    <a:lvl2pPr marL="457200" algn="l" defTabSz="914400" rtl="0" eaLnBrk="1" latinLnBrk="0" hangingPunct="1">
+      <a:defRPr sz="1200" kern="1200">
+        <a:solidFill>
+          <a:schemeClr val="tx1"/>
+        </a:solidFill>
+        <a:latin typeface="+mn-lt"/>
+        <a:ea typeface="+mn-ea"/>
+        <a:cs typeface="+mn-cs"/>
+      </a:defRPr>
+    </a:lvl2pPr>
+    <a:lvl3pPr marL="914400" algn="l" defTabSz="914400" rtl="0" eaLnBrk="1" latinLnBrk="0" hangingPunct="1">
+      <a:defRPr sz="1200" kern="1200">
+        <a:solidFill>
+          <a:schemeClr val="tx1"/>
+        </a:solidFill>
+        <a:latin typeface="+mn-lt"/>
+        <a:ea typeface="+mn-ea"/>
+        <a:cs typeface="+mn-cs"/>
+      </a:defRPr>
+    </a:lvl3pPr>
+    <a:lvl4pPr marL="1371600" algn="l" defTabSz="914400" rtl="0" eaLnBrk="1" latinLnBrk="0" hangingPunct="1">
+      <a:defRPr sz="1200" kern="1200">
+        <a:solidFill>
+          <a:schemeClr val="tx1"/>
+        </a:solidFill>
+        <a:latin typeface="+mn-lt"/>
+        <a:ea typeface="+mn-ea"/>
+        <a:cs typeface="+mn-cs"/>
+      </a:defRPr>
+    </a:lvl4pPr>
+    <a:lvl5pPr marL="1828800" algn="l" defTabSz="914400" rtl="0" eaLnBrk="1" latinLnBrk="0" hangingPunct="1">
+      <a:defRPr sz="1200" kern="1200">
+        <a:solidFill>
+          <a:schemeClr val="tx1"/>
+        </a:solidFill>
+        <a:latin typeface="+mn-lt"/>
+        <a:ea typeface="+mn-ea"/>
+        <a:cs typeface="+mn-cs"/>
+      </a:defRPr>
+    </a:lvl5pPr>
+    <a:lvl6pPr marL="2286000" algn="l" defTabSz="914400" rtl="0" eaLnBrk="1" latinLnBrk="0" hangingPunct="1">
+      <a:defRPr sz="1200" kern="1200">
+        <a:solidFill>
+          <a:schemeClr val="tx1"/>
+        </a:solidFill>
+        <a:latin typeface="+mn-lt"/>
+        <a:ea typeface="+mn-ea"/>
+        <a:cs typeface="+mn-cs"/>
+      </a:defRPr>
+    </a:lvl6pPr>
+    <a:lvl7pPr marL="2743200" algn="l" defTabSz="914400" rtl="0" eaLnBrk="1" latinLnBrk="0" hangingPunct="1">
+      <a:defRPr sz="1200" kern="1200">
+        <a:solidFill>
+          <a:schemeClr val="tx1"/>
+        </a:solidFill>
+        <a:latin typeface="+mn-lt"/>
+        <a:ea typeface="+mn-ea"/>
+        <a:cs typeface="+mn-cs"/>
+      </a:defRPr>
+    </a:lvl7pPr>
+    <a:lvl8pPr marL="3200400" algn="l" defTabSz="914400" rtl="0" eaLnBrk="1" latinLnBrk="0" hangingPunct="1">
+      <a:defRPr sz="1200" kern="1200">
+        <a:solidFill>
+          <a:schemeClr val="tx1"/>
+        </a:solidFill>
+        <a:latin typeface="+mn-lt"/>
+        <a:ea typeface="+mn-ea"/>
+        <a:cs typeface="+mn-cs"/>
+      </a:defRPr>
+    </a:lvl8pPr>
+    <a:lvl9pPr marL="3657600" algn="l" defTabSz="914400" rtl="0" eaLnBrk="1" latinLnBrk="0" hangingPunct="1">
+      <a:defRPr sz="1200" kern="1200">
+        <a:solidFill>
+          <a:schemeClr val="tx1"/>
+        </a:solidFill>
+        <a:latin typeface="+mn-lt"/>
+        <a:ea typeface="+mn-ea"/>
+        <a:cs typeface="+mn-cs"/>
+      </a:defRPr>
+    </a:lvl9pPr>
+  </p:notesStyle>
+</p:notesMaster>
+</file>
+
+<file path=ppt/notesSlides/notesSlide1.xml><?xml version="1.0" encoding="utf-8"?>
+<p:notes xmlns:a="http://schemas.openxmlformats.org/drawingml/2006/main" xmlns:r="http://schemas.openxmlformats.org/officeDocument/2006/relationships" xmlns:p="http://schemas.openxmlformats.org/presentationml/2006/main">
+  <p:cSld>
+    <p:spTree>
+      <p:nvGrpSpPr>
+        <p:cNvPr id="1" name=""/>
+        <p:cNvGrpSpPr/>
+        <p:nvPr/>
+      </p:nvGrpSpPr>
+      <p:grpSpPr>
+        <a:xfrm>
+          <a:off x="0" y="0"/>
+          <a:ext cx="0" cy="0"/>
+          <a:chOff x="0" y="0"/>
+          <a:chExt cx="0" cy="0"/>
+        </a:xfrm>
+      </p:grpSpPr>
+      <p:sp>
+        <p:nvSpPr>
+          <p:cNvPr id="2" name="Slide Image Placeholder 1"/>
+          <p:cNvSpPr>
+            <a:spLocks noGrp="1" noRot="1" noChangeAspect="1"/>
+          </p:cNvSpPr>
+          <p:nvPr>
+            <p:ph type="sldImg"/>
+          </p:nvPr>
+        </p:nvSpPr>
+        <p:spPr/>
+      </p:sp>
+      <p:sp>
+        <p:nvSpPr>
+          <p:cNvPr id="3" name="Notes Placeholder 2"/>
+          <p:cNvSpPr>
+            <a:spLocks noGrp="1"/>
+          </p:cNvSpPr>
+          <p:nvPr>
+            <p:ph type="body" idx="1"/>
+          </p:nvPr>
+        </p:nvSpPr>
+        <p:spPr/>
+        <p:txBody>
+          <a:bodyPr/>
+          <a:lstStyle/>
+          <a:p>
+            <a:endParaRPr lang="en-CY"/>
+          </a:p>
+        </p:txBody>
+      </p:sp>
+      <p:sp>
+        <p:nvSpPr>
+          <p:cNvPr id="4" name="Slide Number Placeholder 3"/>
+          <p:cNvSpPr>
+            <a:spLocks noGrp="1"/>
+          </p:cNvSpPr>
+          <p:nvPr>
+            <p:ph type="sldNum" sz="quarter" idx="5"/>
+          </p:nvPr>
+        </p:nvSpPr>
+        <p:spPr/>
+        <p:txBody>
+          <a:bodyPr/>
+          <a:lstStyle/>
+          <a:p>
+            <a:fld id="{BD332D1E-E8DF-4589-B1FA-AB9D5B04A0AA}" type="slidenum">
+              <a:rPr lang="en-CY" smtClean="0"/>
+              <a:t>7</a:t>
+            </a:fld>
+            <a:endParaRPr lang="en-CY"/>
+          </a:p>
+        </p:txBody>
+      </p:sp>
+    </p:spTree>
+    <p:extLst>
+      <p:ext uri="{BB962C8B-B14F-4D97-AF65-F5344CB8AC3E}">
+        <p14:creationId xmlns:p14="http://schemas.microsoft.com/office/powerpoint/2010/main" val="2796186741"/>
+      </p:ext>
+    </p:extLst>
+  </p:cSld>
+  <p:clrMapOvr>
+    <a:masterClrMapping/>
+  </p:clrMapOvr>
+</p:notes>
 </file>
 
 <file path=ppt/slideLayouts/slideLayout1.xml><?xml version="1.0" encoding="utf-8"?>
@@ -3121,17 +3559,6 @@
               <a:rPr dirty="0"/>
               <a:t>Tutorial 1</a:t>
             </a:r>
-            <a:br>
-              <a:rPr lang="en-US" dirty="0"/>
-            </a:br>
-            <a:r>
-              <a:rPr lang="en-US" sz="1400" dirty="0">
-                <a:solidFill>
-                  <a:srgbClr val="FF0000"/>
-                </a:solidFill>
-              </a:rPr>
-              <a:t>link: https://github.com/kos00pas/ECE318_Documentations.git</a:t>
-            </a:r>
             <a:endParaRPr dirty="0">
               <a:solidFill>
                 <a:srgbClr val="FF0000"/>
@@ -3165,35 +3592,45 @@
               <a:rPr b="1" dirty="0"/>
               <a:t>Goal : Learn Loops and iterate in a 2D Array</a:t>
             </a:r>
-          </a:p>
-          <a:p>
-            <a:pPr lvl="0"/>
-            <a:r>
-              <a:rPr dirty="0">
-                <a:hlinkClick r:id="rId2" action="ppaction://hlinksldjump"/>
-              </a:rPr>
+            <a:endParaRPr lang="en-US" b="1" dirty="0"/>
+          </a:p>
+          <a:p>
+            <a:pPr marL="0" lvl="0" indent="0">
+              <a:spcBef>
+                <a:spcPts val="3000"/>
+              </a:spcBef>
+              <a:buNone/>
+            </a:pPr>
+            <a:r>
+              <a:rPr lang="en-US" b="1" dirty="0"/>
               <a:t>Examples</a:t>
             </a:r>
+            <a:endParaRPr lang="en-US" dirty="0">
+              <a:hlinkClick r:id="rId2" action="ppaction://hlinksldjump"/>
+            </a:endParaRPr>
           </a:p>
           <a:p>
             <a:pPr lvl="1"/>
             <a:r>
-              <a:rPr dirty="0"/>
+              <a:rPr lang="en-US" dirty="0"/>
+              <a:t>Loops : While &amp; Do While</a:t>
+            </a:r>
+            <a:endParaRPr lang="en-CY" dirty="0">
+              <a:hlinkClick r:id="rId3" action="ppaction://hlinksldjump"/>
+            </a:endParaRPr>
+          </a:p>
+          <a:p>
+            <a:pPr lvl="1"/>
+            <a:r>
+              <a:rPr lang="en-US" dirty="0"/>
+              <a:t>Loops: Break &amp; Continue</a:t>
+            </a:r>
+          </a:p>
+          <a:p>
+            <a:pPr lvl="1"/>
+            <a:r>
+              <a:rPr lang="en-US" dirty="0"/>
               <a:t>Loops : For &amp; For-Each</a:t>
-            </a:r>
-          </a:p>
-          <a:p>
-            <a:pPr lvl="1"/>
-            <a:r>
-              <a:rPr dirty="0"/>
-              <a:t>Loops : While &amp; Do While</a:t>
-            </a:r>
-          </a:p>
-          <a:p>
-            <a:pPr lvl="1"/>
-            <a:r>
-              <a:rPr dirty="0"/>
-              <a:t>Loops: Break &amp; Continue</a:t>
             </a:r>
           </a:p>
           <a:p>
@@ -3202,27 +3639,15 @@
               <a:rPr dirty="0"/>
               <a:t>Loops : Iterate in 2D array</a:t>
             </a:r>
+            <a:endParaRPr lang="en-US" dirty="0"/>
           </a:p>
           <a:p>
             <a:pPr lvl="1"/>
             <a:r>
-              <a:rPr dirty="0">
-                <a:hlinkClick r:id="rId3" action="ppaction://hlinksldjump"/>
-              </a:rPr>
-              <a:t>Using </a:t>
-            </a:r>
-            <a:r>
-              <a:rPr dirty="0" err="1">
-                <a:hlinkClick r:id="rId3" action="ppaction://hlinksldjump"/>
-              </a:rPr>
-              <a:t>ArrayList</a:t>
-            </a:r>
-            <a:r>
-              <a:rPr dirty="0">
-                <a:hlinkClick r:id="rId3" action="ppaction://hlinksldjump"/>
-              </a:rPr>
-              <a:t> and Looping</a:t>
-            </a:r>
+              <a:rPr lang="en-US" dirty="0"/>
+              <a:t>Task</a:t>
+            </a:r>
+            <a:endParaRPr dirty="0"/>
           </a:p>
         </p:txBody>
       </p:sp>
@@ -3261,7 +3686,12 @@
             <p:ph type="title"/>
           </p:nvPr>
         </p:nvSpPr>
-        <p:spPr/>
+        <p:spPr>
+          <a:xfrm>
+            <a:off x="-1187003" y="95467"/>
+            <a:ext cx="8229600" cy="857250"/>
+          </a:xfrm>
+        </p:spPr>
         <p:txBody>
           <a:bodyPr/>
           <a:lstStyle/>
@@ -3270,16 +3700,23 @@
               <a:buNone/>
             </a:pPr>
             <a:r>
-              <a:t>Loops : For &amp; For-Each</a:t>
+              <a:rPr dirty="0"/>
+              <a:t>Loops : While</a:t>
             </a:r>
           </a:p>
         </p:txBody>
       </p:sp>
       <p:pic>
         <p:nvPicPr>
-          <p:cNvPr id="3" name="Picture 1" descr="./code/the_for.png"/>
+          <p:cNvPr id="7" name="Picture 6">
+            <a:extLst>
+              <a:ext uri="{FF2B5EF4-FFF2-40B4-BE49-F238E27FC236}">
+                <a16:creationId xmlns:a16="http://schemas.microsoft.com/office/drawing/2014/main" id="{9CC2C535-166A-DED9-29C8-BA1F3F36C600}"/>
+              </a:ext>
+            </a:extLst>
+          </p:cNvPr>
           <p:cNvPicPr>
-            <a:picLocks noGrp="1" noChangeAspect="1"/>
+            <a:picLocks noChangeAspect="1"/>
           </p:cNvPicPr>
           <p:nvPr/>
         </p:nvPicPr>
@@ -3289,27 +3726,27 @@
             <a:fillRect/>
           </a:stretch>
         </p:blipFill>
-        <p:spPr bwMode="auto">
+        <p:spPr>
           <a:xfrm>
-            <a:off x="153666" y="996063"/>
-            <a:ext cx="10040082" cy="3129779"/>
+            <a:off x="720096" y="699134"/>
+            <a:ext cx="4945380" cy="5635589"/>
           </a:xfrm>
           <a:prstGeom prst="rect">
             <a:avLst/>
           </a:prstGeom>
-          <a:noFill/>
-          <a:ln w="9525">
-            <a:noFill/>
-            <a:headEnd/>
-            <a:tailEnd/>
-          </a:ln>
         </p:spPr>
       </p:pic>
       <p:pic>
         <p:nvPicPr>
-          <p:cNvPr id="4" name="Picture 3" descr="./code/the_for_each.png"/>
+          <p:cNvPr id="5" name="Picture 4">
+            <a:extLst>
+              <a:ext uri="{FF2B5EF4-FFF2-40B4-BE49-F238E27FC236}">
+                <a16:creationId xmlns:a16="http://schemas.microsoft.com/office/drawing/2014/main" id="{2D2B48C6-CFF9-9490-9744-BE2E886AE58B}"/>
+              </a:ext>
+            </a:extLst>
+          </p:cNvPr>
           <p:cNvPicPr>
-            <a:picLocks noGrp="1" noChangeAspect="1"/>
+            <a:picLocks noChangeAspect="1"/>
           </p:cNvPicPr>
           <p:nvPr/>
         </p:nvPicPr>
@@ -3319,20 +3756,14 @@
             <a:fillRect/>
           </a:stretch>
         </p:blipFill>
-        <p:spPr bwMode="auto">
+        <p:spPr>
           <a:xfrm>
-            <a:off x="4572000" y="996063"/>
-            <a:ext cx="9488204" cy="3148092"/>
+            <a:off x="4683068" y="1685364"/>
+            <a:ext cx="2153076" cy="3462379"/>
           </a:xfrm>
           <a:prstGeom prst="rect">
             <a:avLst/>
           </a:prstGeom>
-          <a:noFill/>
-          <a:ln w="9525">
-            <a:noFill/>
-            <a:headEnd/>
-            <a:tailEnd/>
-          </a:ln>
         </p:spPr>
       </p:pic>
     </p:spTree>
@@ -3362,7 +3793,13 @@
       </p:grpSpPr>
       <p:sp>
         <p:nvSpPr>
-          <p:cNvPr id="2" name="Title 1"/>
+          <p:cNvPr id="3" name="Title 1">
+            <a:extLst>
+              <a:ext uri="{FF2B5EF4-FFF2-40B4-BE49-F238E27FC236}">
+                <a16:creationId xmlns:a16="http://schemas.microsoft.com/office/drawing/2014/main" id="{2630DC79-41E6-60A8-4DC6-5440BF1DF54E}"/>
+              </a:ext>
+            </a:extLst>
+          </p:cNvPr>
           <p:cNvSpPr>
             <a:spLocks noGrp="1"/>
           </p:cNvSpPr>
@@ -3372,7 +3809,7 @@
         </p:nvSpPr>
         <p:spPr>
           <a:xfrm>
-            <a:off x="-1187003" y="95467"/>
+            <a:off x="-655983" y="311996"/>
             <a:ext cx="8229600" cy="857250"/>
           </a:xfrm>
         </p:spPr>
@@ -3385,16 +3822,27 @@
             </a:pPr>
             <a:r>
               <a:rPr dirty="0"/>
-              <a:t>Loops : While</a:t>
-            </a:r>
+              <a:t>Loops : </a:t>
+            </a:r>
+            <a:r>
+              <a:rPr lang="en-CY" dirty="0"/>
+              <a:t>Do While</a:t>
+            </a:r>
+            <a:endParaRPr dirty="0"/>
           </a:p>
         </p:txBody>
       </p:sp>
       <p:pic>
         <p:nvPicPr>
-          <p:cNvPr id="3" name="Picture 1" descr="./code/The_while.png"/>
+          <p:cNvPr id="7" name="Picture 6" descr="A screenshot of a computer program&#10;&#10;Description automatically generated">
+            <a:extLst>
+              <a:ext uri="{FF2B5EF4-FFF2-40B4-BE49-F238E27FC236}">
+                <a16:creationId xmlns:a16="http://schemas.microsoft.com/office/drawing/2014/main" id="{0E00FB1F-F5F1-5D75-C7DA-99EFD88C1D8F}"/>
+              </a:ext>
+            </a:extLst>
+          </p:cNvPr>
           <p:cNvPicPr>
-            <a:picLocks noGrp="1" noChangeAspect="1"/>
+            <a:picLocks noChangeAspect="1"/>
           </p:cNvPicPr>
           <p:nvPr/>
         </p:nvPicPr>
@@ -3404,20 +3852,104 @@
             <a:fillRect/>
           </a:stretch>
         </p:blipFill>
-        <p:spPr bwMode="auto">
+        <p:spPr>
           <a:xfrm>
-            <a:off x="1746215" y="795130"/>
-            <a:ext cx="8685290" cy="5740031"/>
+            <a:off x="-154378" y="1009403"/>
+            <a:ext cx="5038220" cy="4512623"/>
           </a:xfrm>
           <a:prstGeom prst="rect">
             <a:avLst/>
           </a:prstGeom>
-          <a:noFill/>
-          <a:ln w="9525">
-            <a:noFill/>
-            <a:headEnd/>
-            <a:tailEnd/>
-          </a:ln>
+        </p:spPr>
+      </p:pic>
+      <p:pic>
+        <p:nvPicPr>
+          <p:cNvPr id="9" name="Picture 8" descr="A screenshot of a computer program&#10;&#10;Description automatically generated">
+            <a:extLst>
+              <a:ext uri="{FF2B5EF4-FFF2-40B4-BE49-F238E27FC236}">
+                <a16:creationId xmlns:a16="http://schemas.microsoft.com/office/drawing/2014/main" id="{41BF8F3B-1EF7-1AED-ED13-3024E0AF8D31}"/>
+              </a:ext>
+            </a:extLst>
+          </p:cNvPr>
+          <p:cNvPicPr>
+            <a:picLocks noChangeAspect="1"/>
+          </p:cNvPicPr>
+          <p:nvPr/>
+        </p:nvPicPr>
+        <p:blipFill>
+          <a:blip r:embed="rId3"/>
+          <a:stretch>
+            <a:fillRect/>
+          </a:stretch>
+        </p:blipFill>
+        <p:spPr>
+          <a:xfrm>
+            <a:off x="4468206" y="1009403"/>
+            <a:ext cx="5693384" cy="4636482"/>
+          </a:xfrm>
+          <a:prstGeom prst="rect">
+            <a:avLst/>
+          </a:prstGeom>
+        </p:spPr>
+      </p:pic>
+      <p:pic>
+        <p:nvPicPr>
+          <p:cNvPr id="11" name="Picture 10">
+            <a:extLst>
+              <a:ext uri="{FF2B5EF4-FFF2-40B4-BE49-F238E27FC236}">
+                <a16:creationId xmlns:a16="http://schemas.microsoft.com/office/drawing/2014/main" id="{12C0D4D3-9322-6E35-BE9B-0C6B8AEBD778}"/>
+              </a:ext>
+            </a:extLst>
+          </p:cNvPr>
+          <p:cNvPicPr>
+            <a:picLocks noChangeAspect="1"/>
+          </p:cNvPicPr>
+          <p:nvPr/>
+        </p:nvPicPr>
+        <p:blipFill>
+          <a:blip r:embed="rId4"/>
+          <a:stretch>
+            <a:fillRect/>
+          </a:stretch>
+        </p:blipFill>
+        <p:spPr>
+          <a:xfrm>
+            <a:off x="4883842" y="4755165"/>
+            <a:ext cx="3057952" cy="552527"/>
+          </a:xfrm>
+          <a:prstGeom prst="rect">
+            <a:avLst/>
+          </a:prstGeom>
+        </p:spPr>
+      </p:pic>
+      <p:pic>
+        <p:nvPicPr>
+          <p:cNvPr id="13" name="Picture 12">
+            <a:extLst>
+              <a:ext uri="{FF2B5EF4-FFF2-40B4-BE49-F238E27FC236}">
+                <a16:creationId xmlns:a16="http://schemas.microsoft.com/office/drawing/2014/main" id="{5D2C491D-4DB6-5E47-77C0-C2065AD26616}"/>
+              </a:ext>
+            </a:extLst>
+          </p:cNvPr>
+          <p:cNvPicPr>
+            <a:picLocks noChangeAspect="1"/>
+          </p:cNvPicPr>
+          <p:nvPr/>
+        </p:nvPicPr>
+        <p:blipFill>
+          <a:blip r:embed="rId5"/>
+          <a:stretch>
+            <a:fillRect/>
+          </a:stretch>
+        </p:blipFill>
+        <p:spPr>
+          <a:xfrm>
+            <a:off x="3085419" y="4219575"/>
+            <a:ext cx="1382787" cy="923925"/>
+          </a:xfrm>
+          <a:prstGeom prst="rect">
+            <a:avLst/>
+          </a:prstGeom>
         </p:spPr>
       </p:pic>
     </p:spTree>
@@ -3445,11 +3977,56 @@
           <a:chExt cx="0" cy="0"/>
         </a:xfrm>
       </p:grpSpPr>
+      <p:sp>
+        <p:nvSpPr>
+          <p:cNvPr id="2" name="Title 1"/>
+          <p:cNvSpPr>
+            <a:spLocks noGrp="1"/>
+          </p:cNvSpPr>
+          <p:nvPr>
+            <p:ph type="title"/>
+          </p:nvPr>
+        </p:nvSpPr>
+        <p:spPr>
+          <a:xfrm>
+            <a:off x="-2606261" y="284504"/>
+            <a:ext cx="8229600" cy="857250"/>
+          </a:xfrm>
+        </p:spPr>
+        <p:txBody>
+          <a:bodyPr>
+            <a:normAutofit fontScale="90000"/>
+          </a:bodyPr>
+          <a:lstStyle/>
+          <a:p>
+            <a:pPr marL="0" lvl="0" indent="0">
+              <a:buNone/>
+            </a:pPr>
+            <a:r>
+              <a:rPr dirty="0"/>
+              <a:t>Loops:</a:t>
+            </a:r>
+            <a:br>
+              <a:rPr lang="en-US" dirty="0"/>
+            </a:br>
+            <a:r>
+              <a:rPr dirty="0"/>
+              <a:t> Break &amp; Continue</a:t>
+            </a:r>
+          </a:p>
+        </p:txBody>
+      </p:sp>
       <p:pic>
         <p:nvPicPr>
-          <p:cNvPr id="2" name="Picture 1" descr="./code/the_do_while.png"/>
+          <p:cNvPr id="7" name="Picture 6">
+            <a:extLst>
+              <a:ext uri="{FF2B5EF4-FFF2-40B4-BE49-F238E27FC236}">
+                <a16:creationId xmlns:a16="http://schemas.microsoft.com/office/drawing/2014/main" id="{E0D1E2D2-9281-46B6-7AB5-54655E1304D4}"/>
+              </a:ext>
+            </a:extLst>
+          </p:cNvPr>
           <p:cNvPicPr>
-            <a:picLocks noGrp="1" noChangeAspect="1"/>
+            <a:picLocks noChangeAspect="1"/>
           </p:cNvPicPr>
           <p:nvPr/>
         </p:nvPicPr>
@@ -3459,63 +4036,46 @@
             <a:fillRect/>
           </a:stretch>
         </p:blipFill>
-        <p:spPr bwMode="auto">
+        <p:spPr>
           <a:xfrm>
-            <a:off x="2075973" y="1169246"/>
-            <a:ext cx="10995288" cy="4275945"/>
+            <a:off x="1878194" y="2662518"/>
+            <a:ext cx="1063277" cy="2480981"/>
           </a:xfrm>
           <a:prstGeom prst="rect">
             <a:avLst/>
           </a:prstGeom>
-          <a:noFill/>
-          <a:ln w="9525">
-            <a:noFill/>
-            <a:headEnd/>
-            <a:tailEnd/>
-          </a:ln>
         </p:spPr>
       </p:pic>
-      <p:sp>
-        <p:nvSpPr>
-          <p:cNvPr id="3" name="Title 1">
+      <p:pic>
+        <p:nvPicPr>
+          <p:cNvPr id="10" name="Picture 9">
             <a:extLst>
               <a:ext uri="{FF2B5EF4-FFF2-40B4-BE49-F238E27FC236}">
-                <a16:creationId xmlns:a16="http://schemas.microsoft.com/office/drawing/2014/main" id="{2630DC79-41E6-60A8-4DC6-5440BF1DF54E}"/>
+                <a16:creationId xmlns:a16="http://schemas.microsoft.com/office/drawing/2014/main" id="{7421DD75-7E71-6036-D387-084E57579EF4}"/>
               </a:ext>
             </a:extLst>
           </p:cNvPr>
-          <p:cNvSpPr>
-            <a:spLocks noGrp="1"/>
-          </p:cNvSpPr>
-          <p:nvPr>
-            <p:ph type="title"/>
-          </p:nvPr>
-        </p:nvSpPr>
+          <p:cNvPicPr>
+            <a:picLocks noChangeAspect="1"/>
+          </p:cNvPicPr>
+          <p:nvPr/>
+        </p:nvPicPr>
+        <p:blipFill>
+          <a:blip r:embed="rId3"/>
+          <a:stretch>
+            <a:fillRect/>
+          </a:stretch>
+        </p:blipFill>
         <p:spPr>
           <a:xfrm>
-            <a:off x="-655983" y="311996"/>
-            <a:ext cx="8229600" cy="857250"/>
+            <a:off x="2941472" y="0"/>
+            <a:ext cx="6685808" cy="5227251"/>
           </a:xfrm>
+          <a:prstGeom prst="rect">
+            <a:avLst/>
+          </a:prstGeom>
         </p:spPr>
-        <p:txBody>
-          <a:bodyPr/>
-          <a:lstStyle/>
-          <a:p>
-            <a:pPr marL="0" lvl="0" indent="0">
-              <a:buNone/>
-            </a:pPr>
-            <a:r>
-              <a:rPr dirty="0"/>
-              <a:t>Loops : </a:t>
-            </a:r>
-            <a:r>
-              <a:rPr lang="en-CY" dirty="0"/>
-              <a:t>Do While</a:t>
-            </a:r>
-            <a:endParaRPr dirty="0"/>
-          </a:p>
-        </p:txBody>
-      </p:sp>
+      </p:pic>
     </p:spTree>
   </p:cSld>
   <p:clrMapOvr>
@@ -3551,12 +4111,7 @@
             <p:ph type="title"/>
           </p:nvPr>
         </p:nvSpPr>
-        <p:spPr>
-          <a:xfrm>
-            <a:off x="-320261" y="272240"/>
-            <a:ext cx="8229600" cy="857250"/>
-          </a:xfrm>
-        </p:spPr>
+        <p:spPr/>
         <p:txBody>
           <a:bodyPr/>
           <a:lstStyle/>
@@ -3566,14 +4121,14 @@
             </a:pPr>
             <a:r>
               <a:rPr dirty="0"/>
-              <a:t>Loops: Break &amp; Continue</a:t>
+              <a:t>Loops : For</a:t>
             </a:r>
           </a:p>
         </p:txBody>
       </p:sp>
       <p:pic>
         <p:nvPicPr>
-          <p:cNvPr id="3" name="Picture 1" descr="./code/the_break_and_continue.png"/>
+          <p:cNvPr id="3" name="Picture 1" descr="./code/the_for.png"/>
           <p:cNvPicPr>
             <a:picLocks noGrp="1" noChangeAspect="1"/>
           </p:cNvPicPr>
@@ -3587,8 +4142,8 @@
         </p:blipFill>
         <p:spPr bwMode="auto">
           <a:xfrm>
-            <a:off x="1735122" y="1197113"/>
-            <a:ext cx="9672573" cy="4891245"/>
+            <a:off x="288137" y="996063"/>
+            <a:ext cx="10040082" cy="3129779"/>
           </a:xfrm>
           <a:prstGeom prst="rect">
             <a:avLst/>
@@ -3599,6 +4154,96 @@
             <a:headEnd/>
             <a:tailEnd/>
           </a:ln>
+        </p:spPr>
+      </p:pic>
+      <p:pic>
+        <p:nvPicPr>
+          <p:cNvPr id="6" name="Picture 5" descr="A screenshot of a computer program&#10;&#10;Description automatically generated">
+            <a:extLst>
+              <a:ext uri="{FF2B5EF4-FFF2-40B4-BE49-F238E27FC236}">
+                <a16:creationId xmlns:a16="http://schemas.microsoft.com/office/drawing/2014/main" id="{F749E800-0771-29A6-B35D-F817192A1006}"/>
+              </a:ext>
+            </a:extLst>
+          </p:cNvPr>
+          <p:cNvPicPr>
+            <a:picLocks noChangeAspect="1"/>
+          </p:cNvPicPr>
+          <p:nvPr/>
+        </p:nvPicPr>
+        <p:blipFill>
+          <a:blip r:embed="rId3"/>
+          <a:stretch>
+            <a:fillRect/>
+          </a:stretch>
+        </p:blipFill>
+        <p:spPr>
+          <a:xfrm>
+            <a:off x="4572000" y="1017658"/>
+            <a:ext cx="5834617" cy="4561753"/>
+          </a:xfrm>
+          <a:prstGeom prst="rect">
+            <a:avLst/>
+          </a:prstGeom>
+        </p:spPr>
+      </p:pic>
+      <p:pic>
+        <p:nvPicPr>
+          <p:cNvPr id="7" name="Picture 6">
+            <a:extLst>
+              <a:ext uri="{FF2B5EF4-FFF2-40B4-BE49-F238E27FC236}">
+                <a16:creationId xmlns:a16="http://schemas.microsoft.com/office/drawing/2014/main" id="{AC095A5A-9EF9-4BFC-0E96-3A728FF511DF}"/>
+              </a:ext>
+            </a:extLst>
+          </p:cNvPr>
+          <p:cNvPicPr>
+            <a:picLocks noChangeAspect="1"/>
+          </p:cNvPicPr>
+          <p:nvPr/>
+        </p:nvPicPr>
+        <p:blipFill>
+          <a:blip r:embed="rId4"/>
+          <a:stretch>
+            <a:fillRect/>
+          </a:stretch>
+        </p:blipFill>
+        <p:spPr>
+          <a:xfrm>
+            <a:off x="8186928" y="4249612"/>
+            <a:ext cx="999743" cy="893888"/>
+          </a:xfrm>
+          <a:prstGeom prst="rect">
+            <a:avLst/>
+          </a:prstGeom>
+        </p:spPr>
+      </p:pic>
+      <p:pic>
+        <p:nvPicPr>
+          <p:cNvPr id="11" name="Picture 10">
+            <a:extLst>
+              <a:ext uri="{FF2B5EF4-FFF2-40B4-BE49-F238E27FC236}">
+                <a16:creationId xmlns:a16="http://schemas.microsoft.com/office/drawing/2014/main" id="{1A9E2795-9103-F85B-AD15-E974F6EDCCEA}"/>
+              </a:ext>
+            </a:extLst>
+          </p:cNvPr>
+          <p:cNvPicPr>
+            <a:picLocks noChangeAspect="1"/>
+          </p:cNvPicPr>
+          <p:nvPr/>
+        </p:nvPicPr>
+        <p:blipFill>
+          <a:blip r:embed="rId5"/>
+          <a:stretch>
+            <a:fillRect/>
+          </a:stretch>
+        </p:blipFill>
+        <p:spPr>
+          <a:xfrm>
+            <a:off x="2841176" y="3038530"/>
+            <a:ext cx="1730824" cy="1087312"/>
+          </a:xfrm>
+          <a:prstGeom prst="rect">
+            <a:avLst/>
+          </a:prstGeom>
         </p:spPr>
       </p:pic>
     </p:spTree>
@@ -3628,7 +4273,13 @@
       </p:grpSpPr>
       <p:sp>
         <p:nvSpPr>
-          <p:cNvPr id="2" name="Title 1"/>
+          <p:cNvPr id="2" name="Title 1">
+            <a:extLst>
+              <a:ext uri="{FF2B5EF4-FFF2-40B4-BE49-F238E27FC236}">
+                <a16:creationId xmlns:a16="http://schemas.microsoft.com/office/drawing/2014/main" id="{AC67EAC3-F8E8-9B20-F21A-2A7B5C81567F}"/>
+              </a:ext>
+            </a:extLst>
+          </p:cNvPr>
           <p:cNvSpPr>
             <a:spLocks noGrp="1"/>
           </p:cNvSpPr>
@@ -3641,20 +4292,25 @@
           <a:bodyPr/>
           <a:lstStyle/>
           <a:p>
-            <a:pPr marL="0" lvl="0" indent="0">
-              <a:buNone/>
-            </a:pPr>
-            <a:r>
-              <a:t>Loops : Iterate in 2D array</a:t>
-            </a:r>
+            <a:r>
+              <a:rPr lang="en-US" dirty="0"/>
+              <a:t>For: a tip</a:t>
+            </a:r>
+            <a:endParaRPr lang="en-CY" dirty="0"/>
           </a:p>
         </p:txBody>
       </p:sp>
       <p:pic>
         <p:nvPicPr>
-          <p:cNvPr id="3" name="Picture 1" descr="./code/the_2d_1.png"/>
+          <p:cNvPr id="11" name="Picture 10">
+            <a:extLst>
+              <a:ext uri="{FF2B5EF4-FFF2-40B4-BE49-F238E27FC236}">
+                <a16:creationId xmlns:a16="http://schemas.microsoft.com/office/drawing/2014/main" id="{93B5ED6D-E61C-9608-7F93-190B49FBEDA5}"/>
+              </a:ext>
+            </a:extLst>
+          </p:cNvPr>
           <p:cNvPicPr>
-            <a:picLocks noGrp="1" noChangeAspect="1"/>
+            <a:picLocks noChangeAspect="1"/>
           </p:cNvPicPr>
           <p:nvPr/>
         </p:nvPicPr>
@@ -3664,29 +4320,31 @@
             <a:fillRect/>
           </a:stretch>
         </p:blipFill>
-        <p:spPr bwMode="auto">
+        <p:spPr>
           <a:xfrm>
-            <a:off x="0" y="837485"/>
-            <a:ext cx="8075054" cy="4866906"/>
+            <a:off x="8144257" y="2283752"/>
+            <a:ext cx="999743" cy="893888"/>
           </a:xfrm>
           <a:prstGeom prst="rect">
             <a:avLst/>
           </a:prstGeom>
-          <a:noFill/>
-          <a:ln w="9525">
-            <a:noFill/>
-            <a:headEnd/>
-            <a:tailEnd/>
-          </a:ln>
         </p:spPr>
       </p:pic>
       <p:pic>
         <p:nvPicPr>
-          <p:cNvPr id="4" name="Picture 3" descr="./code/the_2d_2.png"/>
+          <p:cNvPr id="15" name="Content Placeholder 14" descr="A screenshot of a computer program&#10;&#10;Description automatically generated">
+            <a:extLst>
+              <a:ext uri="{FF2B5EF4-FFF2-40B4-BE49-F238E27FC236}">
+                <a16:creationId xmlns:a16="http://schemas.microsoft.com/office/drawing/2014/main" id="{35DE40AB-A960-04BF-E1D0-10209D1C8092}"/>
+              </a:ext>
+            </a:extLst>
+          </p:cNvPr>
           <p:cNvPicPr>
             <a:picLocks noGrp="1" noChangeAspect="1"/>
           </p:cNvPicPr>
-          <p:nvPr/>
+          <p:nvPr>
+            <p:ph idx="1"/>
+          </p:nvPr>
         </p:nvPicPr>
         <p:blipFill>
           <a:blip r:embed="rId3"/>
@@ -3694,23 +4352,79 @@
             <a:fillRect/>
           </a:stretch>
         </p:blipFill>
-        <p:spPr bwMode="auto">
+        <p:spPr>
           <a:xfrm>
-            <a:off x="4103494" y="1135439"/>
-            <a:ext cx="8554867" cy="5490744"/>
+            <a:off x="535669" y="811556"/>
+            <a:ext cx="5743211" cy="3743204"/>
+          </a:xfrm>
+        </p:spPr>
+      </p:pic>
+      <p:pic>
+        <p:nvPicPr>
+          <p:cNvPr id="7" name="Picture 6" descr="A screen shot of a computer&#10;&#10;Description automatically generated">
+            <a:extLst>
+              <a:ext uri="{FF2B5EF4-FFF2-40B4-BE49-F238E27FC236}">
+                <a16:creationId xmlns:a16="http://schemas.microsoft.com/office/drawing/2014/main" id="{017901F2-DC95-5463-102B-AA99861F9E16}"/>
+              </a:ext>
+            </a:extLst>
+          </p:cNvPr>
+          <p:cNvPicPr>
+            <a:picLocks noChangeAspect="1"/>
+          </p:cNvPicPr>
+          <p:nvPr/>
+        </p:nvPicPr>
+        <p:blipFill>
+          <a:blip r:embed="rId4"/>
+          <a:stretch>
+            <a:fillRect/>
+          </a:stretch>
+        </p:blipFill>
+        <p:spPr>
+          <a:xfrm>
+            <a:off x="3478530" y="3158139"/>
+            <a:ext cx="6283362" cy="2256222"/>
           </a:xfrm>
           <a:prstGeom prst="rect">
             <a:avLst/>
           </a:prstGeom>
-          <a:noFill/>
-          <a:ln w="9525">
-            <a:noFill/>
-            <a:headEnd/>
-            <a:tailEnd/>
-          </a:ln>
+        </p:spPr>
+      </p:pic>
+      <p:pic>
+        <p:nvPicPr>
+          <p:cNvPr id="17" name="Picture 16">
+            <a:extLst>
+              <a:ext uri="{FF2B5EF4-FFF2-40B4-BE49-F238E27FC236}">
+                <a16:creationId xmlns:a16="http://schemas.microsoft.com/office/drawing/2014/main" id="{86185049-0621-159D-694C-743E59BC9D5F}"/>
+              </a:ext>
+            </a:extLst>
+          </p:cNvPr>
+          <p:cNvPicPr>
+            <a:picLocks noChangeAspect="1"/>
+          </p:cNvPicPr>
+          <p:nvPr/>
+        </p:nvPicPr>
+        <p:blipFill>
+          <a:blip r:embed="rId5"/>
+          <a:stretch>
+            <a:fillRect/>
+          </a:stretch>
+        </p:blipFill>
+        <p:spPr>
+          <a:xfrm>
+            <a:off x="4571999" y="2283752"/>
+            <a:ext cx="1314595" cy="874387"/>
+          </a:xfrm>
+          <a:prstGeom prst="rect">
+            <a:avLst/>
+          </a:prstGeom>
         </p:spPr>
       </p:pic>
     </p:spTree>
+    <p:extLst>
+      <p:ext uri="{BB962C8B-B14F-4D97-AF65-F5344CB8AC3E}">
+        <p14:creationId xmlns:p14="http://schemas.microsoft.com/office/powerpoint/2010/main" val="3564136085"/>
+      </p:ext>
+    </p:extLst>
   </p:cSld>
   <p:clrMapOvr>
     <a:masterClrMapping/>
@@ -3737,7 +4451,13 @@
       </p:grpSpPr>
       <p:sp>
         <p:nvSpPr>
-          <p:cNvPr id="2" name="Title 1"/>
+          <p:cNvPr id="2" name="Title 1">
+            <a:extLst>
+              <a:ext uri="{FF2B5EF4-FFF2-40B4-BE49-F238E27FC236}">
+                <a16:creationId xmlns:a16="http://schemas.microsoft.com/office/drawing/2014/main" id="{815C564F-22A5-46E7-0C64-32D00FE53013}"/>
+              </a:ext>
+            </a:extLst>
+          </p:cNvPr>
           <p:cNvSpPr>
             <a:spLocks noGrp="1"/>
           </p:cNvSpPr>
@@ -3750,18 +4470,133 @@
           <a:bodyPr/>
           <a:lstStyle/>
           <a:p>
-            <a:pPr marL="0" lvl="0" indent="0">
-              <a:buNone/>
-            </a:pPr>
-            <a:r>
-              <a:t>Using ArrayList and Looping</a:t>
-            </a:r>
+            <a:r>
+              <a:rPr lang="en-US" dirty="0"/>
+              <a:t>Loops : For Each</a:t>
+            </a:r>
+            <a:endParaRPr lang="en-CY" dirty="0"/>
           </a:p>
         </p:txBody>
       </p:sp>
       <p:pic>
         <p:nvPicPr>
-          <p:cNvPr id="3" name="Picture 1" descr="./code/The_arraylist.png"/>
+          <p:cNvPr id="4" name="Content Placeholder 3" descr="./code/the_for_each.png"/>
+          <p:cNvPicPr>
+            <a:picLocks noGrp="1" noChangeAspect="1"/>
+          </p:cNvPicPr>
+          <p:nvPr>
+            <p:ph idx="1"/>
+          </p:nvPr>
+        </p:nvPicPr>
+        <p:blipFill>
+          <a:blip r:embed="rId3"/>
+          <a:stretch>
+            <a:fillRect/>
+          </a:stretch>
+        </p:blipFill>
+        <p:spPr bwMode="auto">
+          <a:xfrm>
+            <a:off x="1803969" y="1063229"/>
+            <a:ext cx="10676415" cy="3535751"/>
+          </a:xfrm>
+          <a:prstGeom prst="rect">
+            <a:avLst/>
+          </a:prstGeom>
+          <a:noFill/>
+          <a:ln w="9525">
+            <a:noFill/>
+            <a:headEnd/>
+            <a:tailEnd/>
+          </a:ln>
+        </p:spPr>
+      </p:pic>
+      <p:pic>
+        <p:nvPicPr>
+          <p:cNvPr id="6" name="Picture 5">
+            <a:extLst>
+              <a:ext uri="{FF2B5EF4-FFF2-40B4-BE49-F238E27FC236}">
+                <a16:creationId xmlns:a16="http://schemas.microsoft.com/office/drawing/2014/main" id="{5AC0F6D9-582F-C23B-3B92-4B6EEAEA6626}"/>
+              </a:ext>
+            </a:extLst>
+          </p:cNvPr>
+          <p:cNvPicPr>
+            <a:picLocks noChangeAspect="1"/>
+          </p:cNvPicPr>
+          <p:nvPr/>
+        </p:nvPicPr>
+        <p:blipFill>
+          <a:blip r:embed="rId4"/>
+          <a:stretch>
+            <a:fillRect/>
+          </a:stretch>
+        </p:blipFill>
+        <p:spPr>
+          <a:xfrm>
+            <a:off x="5832750" y="3076574"/>
+            <a:ext cx="1330165" cy="1108471"/>
+          </a:xfrm>
+          <a:prstGeom prst="rect">
+            <a:avLst/>
+          </a:prstGeom>
+        </p:spPr>
+      </p:pic>
+    </p:spTree>
+    <p:extLst>
+      <p:ext uri="{BB962C8B-B14F-4D97-AF65-F5344CB8AC3E}">
+        <p14:creationId xmlns:p14="http://schemas.microsoft.com/office/powerpoint/2010/main" val="1566145852"/>
+      </p:ext>
+    </p:extLst>
+  </p:cSld>
+  <p:clrMapOvr>
+    <a:masterClrMapping/>
+  </p:clrMapOvr>
+</p:sld>
+</file>
+
+<file path=ppt/slides/slide8.xml><?xml version="1.0" encoding="utf-8"?>
+<p:sld xmlns:a="http://schemas.openxmlformats.org/drawingml/2006/main" xmlns:r="http://schemas.openxmlformats.org/officeDocument/2006/relationships" xmlns:p="http://schemas.openxmlformats.org/presentationml/2006/main">
+  <p:cSld>
+    <p:spTree>
+      <p:nvGrpSpPr>
+        <p:cNvPr id="1" name=""/>
+        <p:cNvGrpSpPr/>
+        <p:nvPr/>
+      </p:nvGrpSpPr>
+      <p:grpSpPr>
+        <a:xfrm>
+          <a:off x="0" y="0"/>
+          <a:ext cx="0" cy="0"/>
+          <a:chOff x="0" y="0"/>
+          <a:chExt cx="0" cy="0"/>
+        </a:xfrm>
+      </p:grpSpPr>
+      <p:sp>
+        <p:nvSpPr>
+          <p:cNvPr id="2" name="Title 1"/>
+          <p:cNvSpPr>
+            <a:spLocks noGrp="1"/>
+          </p:cNvSpPr>
+          <p:nvPr>
+            <p:ph type="title"/>
+          </p:nvPr>
+        </p:nvSpPr>
+        <p:spPr/>
+        <p:txBody>
+          <a:bodyPr/>
+          <a:lstStyle/>
+          <a:p>
+            <a:pPr marL="0" lvl="0" indent="0">
+              <a:buNone/>
+            </a:pPr>
+            <a:r>
+              <a:t>Loops : Iterate in 2D array</a:t>
+            </a:r>
+          </a:p>
+        </p:txBody>
+      </p:sp>
+      <p:pic>
+        <p:nvPicPr>
+          <p:cNvPr id="3" name="Picture 1" descr="./code/the_2d_1.png"/>
           <p:cNvPicPr>
             <a:picLocks noGrp="1" noChangeAspect="1"/>
           </p:cNvPicPr>
@@ -3775,8 +4610,8 @@
         </p:blipFill>
         <p:spPr bwMode="auto">
           <a:xfrm>
-            <a:off x="2220685" y="876299"/>
-            <a:ext cx="7442427" cy="5645251"/>
+            <a:off x="2106706" y="1063229"/>
+            <a:ext cx="8621901" cy="5196495"/>
           </a:xfrm>
           <a:prstGeom prst="rect">
             <a:avLst/>
@@ -3789,6 +4624,36 @@
           </a:ln>
         </p:spPr>
       </p:pic>
+      <p:pic>
+        <p:nvPicPr>
+          <p:cNvPr id="6" name="Picture 5">
+            <a:extLst>
+              <a:ext uri="{FF2B5EF4-FFF2-40B4-BE49-F238E27FC236}">
+                <a16:creationId xmlns:a16="http://schemas.microsoft.com/office/drawing/2014/main" id="{746CF10D-823C-D77C-170C-49CA450F9EB1}"/>
+              </a:ext>
+            </a:extLst>
+          </p:cNvPr>
+          <p:cNvPicPr>
+            <a:picLocks noChangeAspect="1"/>
+          </p:cNvPicPr>
+          <p:nvPr/>
+        </p:nvPicPr>
+        <p:blipFill>
+          <a:blip r:embed="rId3"/>
+          <a:stretch>
+            <a:fillRect/>
+          </a:stretch>
+        </p:blipFill>
+        <p:spPr>
+          <a:xfrm>
+            <a:off x="7780157" y="2374526"/>
+            <a:ext cx="1363843" cy="3034776"/>
+          </a:xfrm>
+          <a:prstGeom prst="rect">
+            <a:avLst/>
+          </a:prstGeom>
+        </p:spPr>
+      </p:pic>
     </p:spTree>
   </p:cSld>
   <p:clrMapOvr>
@@ -3797,7 +4662,7 @@
 </p:sld>
 </file>
 
-<file path=ppt/slides/slide8.xml><?xml version="1.0" encoding="utf-8"?>
+<file path=ppt/slides/slide9.xml><?xml version="1.0" encoding="utf-8"?>
 <p:sld xmlns:a="http://schemas.openxmlformats.org/drawingml/2006/main" xmlns:r="http://schemas.openxmlformats.org/officeDocument/2006/relationships" xmlns:p="http://schemas.openxmlformats.org/presentationml/2006/main">
   <p:cSld>
     <p:spTree>
@@ -4194,4 +5059,319 @@
   </a:objectDefaults>
   <a:extraClrSchemeLst/>
 </a:theme>
+</file>
+
+<file path=ppt/theme/theme2.xml><?xml version="1.0" encoding="utf-8"?>
+<a:theme xmlns:a="http://schemas.openxmlformats.org/drawingml/2006/main" name="Office Theme">
+  <a:themeElements>
+    <a:clrScheme name="Office">
+      <a:dk1>
+        <a:sysClr val="windowText" lastClr="000000"/>
+      </a:dk1>
+      <a:lt1>
+        <a:sysClr val="window" lastClr="FFFFFF"/>
+      </a:lt1>
+      <a:dk2>
+        <a:srgbClr val="0E2841"/>
+      </a:dk2>
+      <a:lt2>
+        <a:srgbClr val="E8E8E8"/>
+      </a:lt2>
+      <a:accent1>
+        <a:srgbClr val="156082"/>
+      </a:accent1>
+      <a:accent2>
+        <a:srgbClr val="E97132"/>
+      </a:accent2>
+      <a:accent3>
+        <a:srgbClr val="196B24"/>
+      </a:accent3>
+      <a:accent4>
+        <a:srgbClr val="0F9ED5"/>
+      </a:accent4>
+      <a:accent5>
+        <a:srgbClr val="A02B93"/>
+      </a:accent5>
+      <a:accent6>
+        <a:srgbClr val="4EA72E"/>
+      </a:accent6>
+      <a:hlink>
+        <a:srgbClr val="467886"/>
+      </a:hlink>
+      <a:folHlink>
+        <a:srgbClr val="96607D"/>
+      </a:folHlink>
+    </a:clrScheme>
+    <a:fontScheme name="Office">
+      <a:majorFont>
+        <a:latin typeface="Aptos Display" panose="02110004020202020204"/>
+        <a:ea typeface=""/>
+        <a:cs typeface=""/>
+        <a:font script="Jpan" typeface="游ゴシック Light"/>
+        <a:font script="Hang" typeface="맑은 고딕"/>
+        <a:font script="Hans" typeface="等线 Light"/>
+        <a:font script="Hant" typeface="新細明體"/>
+        <a:font script="Arab" typeface="Times New Roman"/>
+        <a:font script="Hebr" typeface="Times New Roman"/>
+        <a:font script="Thai" typeface="Angsana New"/>
+        <a:font script="Ethi" typeface="Nyala"/>
+        <a:font script="Beng" typeface="Vrinda"/>
+        <a:font script="Gujr" typeface="Shruti"/>
+        <a:font script="Khmr" typeface="MoolBoran"/>
+        <a:font script="Knda" typeface="Tunga"/>
+        <a:font script="Guru" typeface="Raavi"/>
+        <a:font script="Cans" typeface="Euphemia"/>
+        <a:font script="Cher" typeface="Plantagenet Cherokee"/>
+        <a:font script="Yiii" typeface="Microsoft Yi Baiti"/>
+        <a:font script="Tibt" typeface="Microsoft Himalaya"/>
+        <a:font script="Thaa" typeface="MV Boli"/>
+        <a:font script="Deva" typeface="Mangal"/>
+        <a:font script="Telu" typeface="Gautami"/>
+        <a:font script="Taml" typeface="Latha"/>
+        <a:font script="Syrc" typeface="Estrangelo Edessa"/>
+        <a:font script="Orya" typeface="Kalinga"/>
+        <a:font script="Mlym" typeface="Kartika"/>
+        <a:font script="Laoo" typeface="DokChampa"/>
+        <a:font script="Sinh" typeface="Iskoola Pota"/>
+        <a:font script="Mong" typeface="Mongolian Baiti"/>
+        <a:font script="Viet" typeface="Times New Roman"/>
+        <a:font script="Uigh" typeface="Microsoft Uighur"/>
+        <a:font script="Geor" typeface="Sylfaen"/>
+        <a:font script="Armn" typeface="Arial"/>
+        <a:font script="Bugi" typeface="Leelawadee UI"/>
+        <a:font script="Bopo" typeface="Microsoft JhengHei"/>
+        <a:font script="Java" typeface="Javanese Text"/>
+        <a:font script="Lisu" typeface="Segoe UI"/>
+        <a:font script="Mymr" typeface="Myanmar Text"/>
+        <a:font script="Nkoo" typeface="Ebrima"/>
+        <a:font script="Olck" typeface="Nirmala UI"/>
+        <a:font script="Osma" typeface="Ebrima"/>
+        <a:font script="Phag" typeface="Phagspa"/>
+        <a:font script="Syrn" typeface="Estrangelo Edessa"/>
+        <a:font script="Syrj" typeface="Estrangelo Edessa"/>
+        <a:font script="Syre" typeface="Estrangelo Edessa"/>
+        <a:font script="Sora" typeface="Nirmala UI"/>
+        <a:font script="Tale" typeface="Microsoft Tai Le"/>
+        <a:font script="Talu" typeface="Microsoft New Tai Lue"/>
+        <a:font script="Tfng" typeface="Ebrima"/>
+      </a:majorFont>
+      <a:minorFont>
+        <a:latin typeface="Aptos" panose="02110004020202020204"/>
+        <a:ea typeface=""/>
+        <a:cs typeface=""/>
+        <a:font script="Jpan" typeface="游ゴシック"/>
+        <a:font script="Hang" typeface="맑은 고딕"/>
+        <a:font script="Hans" typeface="等线"/>
+        <a:font script="Hant" typeface="新細明體"/>
+        <a:font script="Arab" typeface="Arial"/>
+        <a:font script="Hebr" typeface="Arial"/>
+        <a:font script="Thai" typeface="Cordia New"/>
+        <a:font script="Ethi" typeface="Nyala"/>
+        <a:font script="Beng" typeface="Vrinda"/>
+        <a:font script="Gujr" typeface="Shruti"/>
+        <a:font script="Khmr" typeface="DaunPenh"/>
+        <a:font script="Knda" typeface="Tunga"/>
+        <a:font script="Guru" typeface="Raavi"/>
+        <a:font script="Cans" typeface="Euphemia"/>
+        <a:font script="Cher" typeface="Plantagenet Cherokee"/>
+        <a:font script="Yiii" typeface="Microsoft Yi Baiti"/>
+        <a:font script="Tibt" typeface="Microsoft Himalaya"/>
+        <a:font script="Thaa" typeface="MV Boli"/>
+        <a:font script="Deva" typeface="Mangal"/>
+        <a:font script="Telu" typeface="Gautami"/>
+        <a:font script="Taml" typeface="Latha"/>
+        <a:font script="Syrc" typeface="Estrangelo Edessa"/>
+        <a:font script="Orya" typeface="Kalinga"/>
+        <a:font script="Mlym" typeface="Kartika"/>
+        <a:font script="Laoo" typeface="DokChampa"/>
+        <a:font script="Sinh" typeface="Iskoola Pota"/>
+        <a:font script="Mong" typeface="Mongolian Baiti"/>
+        <a:font script="Viet" typeface="Arial"/>
+        <a:font script="Uigh" typeface="Microsoft Uighur"/>
+        <a:font script="Geor" typeface="Sylfaen"/>
+        <a:font script="Armn" typeface="Arial"/>
+        <a:font script="Bugi" typeface="Leelawadee UI"/>
+        <a:font script="Bopo" typeface="Microsoft JhengHei"/>
+        <a:font script="Java" typeface="Javanese Text"/>
+        <a:font script="Lisu" typeface="Segoe UI"/>
+        <a:font script="Mymr" typeface="Myanmar Text"/>
+        <a:font script="Nkoo" typeface="Ebrima"/>
+        <a:font script="Olck" typeface="Nirmala UI"/>
+        <a:font script="Osma" typeface="Ebrima"/>
+        <a:font script="Phag" typeface="Phagspa"/>
+        <a:font script="Syrn" typeface="Estrangelo Edessa"/>
+        <a:font script="Syrj" typeface="Estrangelo Edessa"/>
+        <a:font script="Syre" typeface="Estrangelo Edessa"/>
+        <a:font script="Sora" typeface="Nirmala UI"/>
+        <a:font script="Tale" typeface="Microsoft Tai Le"/>
+        <a:font script="Talu" typeface="Microsoft New Tai Lue"/>
+        <a:font script="Tfng" typeface="Ebrima"/>
+      </a:minorFont>
+    </a:fontScheme>
+    <a:fmtScheme name="Office">
+      <a:fillStyleLst>
+        <a:solidFill>
+          <a:schemeClr val="phClr"/>
+        </a:solidFill>
+        <a:gradFill rotWithShape="1">
+          <a:gsLst>
+            <a:gs pos="0">
+              <a:schemeClr val="phClr">
+                <a:lumMod val="110000"/>
+                <a:satMod val="105000"/>
+                <a:tint val="67000"/>
+              </a:schemeClr>
+            </a:gs>
+            <a:gs pos="50000">
+              <a:schemeClr val="phClr">
+                <a:lumMod val="105000"/>
+                <a:satMod val="103000"/>
+                <a:tint val="73000"/>
+              </a:schemeClr>
+            </a:gs>
+            <a:gs pos="100000">
+              <a:schemeClr val="phClr">
+                <a:lumMod val="105000"/>
+                <a:satMod val="109000"/>
+                <a:tint val="81000"/>
+              </a:schemeClr>
+            </a:gs>
+          </a:gsLst>
+          <a:lin ang="5400000" scaled="0"/>
+        </a:gradFill>
+        <a:gradFill rotWithShape="1">
+          <a:gsLst>
+            <a:gs pos="0">
+              <a:schemeClr val="phClr">
+                <a:satMod val="103000"/>
+                <a:lumMod val="102000"/>
+                <a:tint val="94000"/>
+              </a:schemeClr>
+            </a:gs>
+            <a:gs pos="50000">
+              <a:schemeClr val="phClr">
+                <a:satMod val="110000"/>
+                <a:lumMod val="100000"/>
+                <a:shade val="100000"/>
+              </a:schemeClr>
+            </a:gs>
+            <a:gs pos="100000">
+              <a:schemeClr val="phClr">
+                <a:lumMod val="99000"/>
+                <a:satMod val="120000"/>
+                <a:shade val="78000"/>
+              </a:schemeClr>
+            </a:gs>
+          </a:gsLst>
+          <a:lin ang="5400000" scaled="0"/>
+        </a:gradFill>
+      </a:fillStyleLst>
+      <a:lnStyleLst>
+        <a:ln w="12700" cap="flat" cmpd="sng" algn="ctr">
+          <a:solidFill>
+            <a:schemeClr val="phClr"/>
+          </a:solidFill>
+          <a:prstDash val="solid"/>
+          <a:miter lim="800000"/>
+        </a:ln>
+        <a:ln w="19050" cap="flat" cmpd="sng" algn="ctr">
+          <a:solidFill>
+            <a:schemeClr val="phClr"/>
+          </a:solidFill>
+          <a:prstDash val="solid"/>
+          <a:miter lim="800000"/>
+        </a:ln>
+        <a:ln w="25400" cap="flat" cmpd="sng" algn="ctr">
+          <a:solidFill>
+            <a:schemeClr val="phClr"/>
+          </a:solidFill>
+          <a:prstDash val="solid"/>
+          <a:miter lim="800000"/>
+        </a:ln>
+      </a:lnStyleLst>
+      <a:effectStyleLst>
+        <a:effectStyle>
+          <a:effectLst/>
+        </a:effectStyle>
+        <a:effectStyle>
+          <a:effectLst/>
+        </a:effectStyle>
+        <a:effectStyle>
+          <a:effectLst>
+            <a:outerShdw blurRad="57150" dist="19050" dir="5400000" algn="ctr" rotWithShape="0">
+              <a:srgbClr val="000000">
+                <a:alpha val="63000"/>
+              </a:srgbClr>
+            </a:outerShdw>
+          </a:effectLst>
+        </a:effectStyle>
+      </a:effectStyleLst>
+      <a:bgFillStyleLst>
+        <a:solidFill>
+          <a:schemeClr val="phClr"/>
+        </a:solidFill>
+        <a:solidFill>
+          <a:schemeClr val="phClr">
+            <a:tint val="95000"/>
+            <a:satMod val="170000"/>
+          </a:schemeClr>
+        </a:solidFill>
+        <a:gradFill rotWithShape="1">
+          <a:gsLst>
+            <a:gs pos="0">
+              <a:schemeClr val="phClr">
+                <a:tint val="93000"/>
+                <a:satMod val="150000"/>
+                <a:shade val="98000"/>
+                <a:lumMod val="102000"/>
+              </a:schemeClr>
+            </a:gs>
+            <a:gs pos="50000">
+              <a:schemeClr val="phClr">
+                <a:tint val="98000"/>
+                <a:satMod val="130000"/>
+                <a:shade val="90000"/>
+                <a:lumMod val="103000"/>
+              </a:schemeClr>
+            </a:gs>
+            <a:gs pos="100000">
+              <a:schemeClr val="phClr">
+                <a:shade val="63000"/>
+                <a:satMod val="120000"/>
+              </a:schemeClr>
+            </a:gs>
+          </a:gsLst>
+          <a:lin ang="5400000" scaled="0"/>
+        </a:gradFill>
+      </a:bgFillStyleLst>
+    </a:fmtScheme>
+  </a:themeElements>
+  <a:objectDefaults>
+    <a:lnDef>
+      <a:spPr/>
+      <a:bodyPr/>
+      <a:lstStyle/>
+      <a:style>
+        <a:lnRef idx="2">
+          <a:schemeClr val="accent1"/>
+        </a:lnRef>
+        <a:fillRef idx="0">
+          <a:schemeClr val="accent1"/>
+        </a:fillRef>
+        <a:effectRef idx="1">
+          <a:schemeClr val="accent1"/>
+        </a:effectRef>
+        <a:fontRef idx="minor">
+          <a:schemeClr val="tx1"/>
+        </a:fontRef>
+      </a:style>
+    </a:lnDef>
+  </a:objectDefaults>
+  <a:extraClrSchemeLst/>
+  <a:extLst>
+    <a:ext uri="{05A4C25C-085E-4340-85A3-A5531E510DB2}">
+      <thm15:themeFamily xmlns:thm15="http://schemas.microsoft.com/office/thememl/2012/main" name="Office Theme" id="{2E142A2C-CD16-42D6-873A-C26D2A0506FA}" vid="{1BDDFF52-6CD6-40A5-AB3C-68EB2F1E4D0A}"/>
+    </a:ext>
+  </a:extLst>
+</a:theme>
 </file>